--- a/Basic GIT.pptx
+++ b/Basic GIT.pptx
@@ -11,9 +11,11 @@
     <p:sldId id="260" r:id="rId5"/>
     <p:sldId id="261" r:id="rId6"/>
     <p:sldId id="262" r:id="rId7"/>
-    <p:sldId id="263" r:id="rId8"/>
-    <p:sldId id="264" r:id="rId9"/>
-    <p:sldId id="265" r:id="rId10"/>
+    <p:sldId id="267" r:id="rId8"/>
+    <p:sldId id="263" r:id="rId9"/>
+    <p:sldId id="264" r:id="rId10"/>
+    <p:sldId id="265" r:id="rId11"/>
+    <p:sldId id="266" r:id="rId12"/>
   </p:sldIdLst>
   <p:sldSz cx="12192000" cy="6858000"/>
   <p:notesSz cx="6858000" cy="9144000"/>
@@ -3410,6 +3412,470 @@
 </p:sld>
 </file>
 
+<file path=ppt/slides/slide10.xml><?xml version="1.0" encoding="utf-8"?>
+<p:sld xmlns:a="http://schemas.openxmlformats.org/drawingml/2006/main" xmlns:r="http://schemas.openxmlformats.org/officeDocument/2006/relationships" xmlns:p="http://schemas.openxmlformats.org/presentationml/2006/main">
+  <p:cSld>
+    <p:spTree>
+      <p:nvGrpSpPr>
+        <p:cNvPr id="1" name=""/>
+        <p:cNvGrpSpPr/>
+        <p:nvPr/>
+      </p:nvGrpSpPr>
+      <p:grpSpPr>
+        <a:xfrm>
+          <a:off x="0" y="0"/>
+          <a:ext cx="0" cy="0"/>
+          <a:chOff x="0" y="0"/>
+          <a:chExt cx="0" cy="0"/>
+        </a:xfrm>
+      </p:grpSpPr>
+      <p:sp>
+        <p:nvSpPr>
+          <p:cNvPr id="2" name="Title 1">
+            <a:extLst>
+              <a:ext uri="{FF2B5EF4-FFF2-40B4-BE49-F238E27FC236}">
+                <a16:creationId xmlns:a16="http://schemas.microsoft.com/office/drawing/2014/main" id="{9C91D06C-2DC6-45C6-8627-500E00F9A64E}"/>
+              </a:ext>
+            </a:extLst>
+          </p:cNvPr>
+          <p:cNvSpPr>
+            <a:spLocks noGrp="1"/>
+          </p:cNvSpPr>
+          <p:nvPr>
+            <p:ph type="title"/>
+          </p:nvPr>
+        </p:nvSpPr>
+        <p:spPr/>
+        <p:txBody>
+          <a:bodyPr/>
+          <a:lstStyle/>
+          <a:p>
+            <a:r>
+              <a:rPr lang="en-US" dirty="0"/>
+              <a:t>Homework 3</a:t>
+            </a:r>
+          </a:p>
+        </p:txBody>
+      </p:sp>
+      <p:sp>
+        <p:nvSpPr>
+          <p:cNvPr id="3" name="Content Placeholder 2">
+            <a:extLst>
+              <a:ext uri="{FF2B5EF4-FFF2-40B4-BE49-F238E27FC236}">
+                <a16:creationId xmlns:a16="http://schemas.microsoft.com/office/drawing/2014/main" id="{2334A464-E891-49C9-9AF8-BBDF12E13D47}"/>
+              </a:ext>
+            </a:extLst>
+          </p:cNvPr>
+          <p:cNvSpPr>
+            <a:spLocks noGrp="1"/>
+          </p:cNvSpPr>
+          <p:nvPr>
+            <p:ph idx="1"/>
+          </p:nvPr>
+        </p:nvSpPr>
+        <p:spPr>
+          <a:xfrm>
+            <a:off x="838200" y="1414564"/>
+            <a:ext cx="10515600" cy="2998045"/>
+          </a:xfrm>
+        </p:spPr>
+        <p:txBody>
+          <a:bodyPr>
+            <a:normAutofit fontScale="92500" lnSpcReduction="20000"/>
+          </a:bodyPr>
+          <a:lstStyle/>
+          <a:p>
+            <a:pPr marL="0" lvl="0" indent="0" eaLnBrk="0" fontAlgn="base" hangingPunct="0">
+              <a:lnSpc>
+                <a:spcPct val="100000"/>
+              </a:lnSpc>
+              <a:spcBef>
+                <a:spcPct val="0"/>
+              </a:spcBef>
+              <a:spcAft>
+                <a:spcPct val="0"/>
+              </a:spcAft>
+              <a:buNone/>
+            </a:pPr>
+            <a:r>
+              <a:rPr lang="en-US" dirty="0"/>
+              <a:t>1: clone project from </a:t>
+            </a:r>
+            <a:r>
+              <a:rPr lang="en-US" altLang="en-US" dirty="0">
+                <a:solidFill>
+                  <a:srgbClr val="24292E"/>
+                </a:solidFill>
+                <a:latin typeface="SFMono-Regular"/>
+              </a:rPr>
+              <a:t>https://github.com/nuenook/basicGit.git</a:t>
+            </a:r>
+            <a:r>
+              <a:rPr kumimoji="0" lang="en-US" altLang="en-US" sz="2400" b="0" i="0" u="none" strike="noStrike" cap="none" normalizeH="0" baseline="0" dirty="0">
+                <a:ln>
+                  <a:noFill/>
+                </a:ln>
+                <a:solidFill>
+                  <a:schemeClr val="tx1"/>
+                </a:solidFill>
+                <a:effectLst/>
+              </a:rPr>
+              <a:t> </a:t>
+            </a:r>
+            <a:endParaRPr kumimoji="0" lang="en-US" altLang="en-US" sz="6000" b="0" i="0" u="none" strike="noStrike" cap="none" normalizeH="0" baseline="0" dirty="0">
+              <a:ln>
+                <a:noFill/>
+              </a:ln>
+              <a:solidFill>
+                <a:schemeClr val="tx1"/>
+              </a:solidFill>
+              <a:effectLst/>
+              <a:latin typeface="Arial" panose="020B0604020202020204" pitchFamily="34" charset="0"/>
+            </a:endParaRPr>
+          </a:p>
+          <a:p>
+            <a:pPr marL="0" indent="0">
+              <a:buNone/>
+            </a:pPr>
+            <a:r>
+              <a:rPr lang="en-US" dirty="0"/>
+              <a:t>2: switch to </a:t>
+            </a:r>
+            <a:r>
+              <a:rPr lang="en-US" b="1" dirty="0"/>
+              <a:t>nook</a:t>
+            </a:r>
+            <a:r>
+              <a:rPr lang="en-US" dirty="0"/>
+              <a:t> branch</a:t>
+            </a:r>
+          </a:p>
+          <a:p>
+            <a:pPr marL="0" indent="0">
+              <a:buNone/>
+            </a:pPr>
+            <a:r>
+              <a:rPr lang="en-US" dirty="0"/>
+              <a:t>4: create new branch name: </a:t>
+            </a:r>
+            <a:r>
+              <a:rPr lang="en-US" b="1" dirty="0"/>
+              <a:t>nook-edit</a:t>
+            </a:r>
+          </a:p>
+          <a:p>
+            <a:pPr marL="0" indent="0">
+              <a:buNone/>
+            </a:pPr>
+            <a:r>
+              <a:rPr lang="en-US" dirty="0"/>
+              <a:t>5: look at refect.js and then change declare variable from </a:t>
+            </a:r>
+            <a:r>
+              <a:rPr lang="en-US" b="1" dirty="0" err="1"/>
+              <a:t>var</a:t>
+            </a:r>
+            <a:r>
+              <a:rPr lang="en-US" dirty="0"/>
+              <a:t> to </a:t>
+            </a:r>
+            <a:r>
+              <a:rPr lang="en-US" b="1" dirty="0"/>
+              <a:t>let</a:t>
+            </a:r>
+            <a:r>
+              <a:rPr lang="en-US" dirty="0"/>
+              <a:t>  </a:t>
+            </a:r>
+          </a:p>
+          <a:p>
+            <a:pPr marL="0" indent="0">
+              <a:buNone/>
+            </a:pPr>
+            <a:r>
+              <a:rPr lang="en-US" dirty="0"/>
+              <a:t>6: merge </a:t>
+            </a:r>
+            <a:r>
+              <a:rPr lang="en-US" b="1" dirty="0"/>
+              <a:t>nook</a:t>
+            </a:r>
+            <a:r>
+              <a:rPr lang="en-US" dirty="0"/>
+              <a:t> branch with </a:t>
+            </a:r>
+            <a:r>
+              <a:rPr lang="en-US" b="1" dirty="0"/>
+              <a:t>nook-edit</a:t>
+            </a:r>
+            <a:r>
+              <a:rPr lang="en-US" dirty="0"/>
+              <a:t> branch</a:t>
+            </a:r>
+          </a:p>
+          <a:p>
+            <a:pPr marL="0" indent="0">
+              <a:buNone/>
+            </a:pPr>
+            <a:r>
+              <a:rPr lang="en-US" dirty="0"/>
+              <a:t>7: save and push code to </a:t>
+            </a:r>
+            <a:r>
+              <a:rPr lang="en-US" b="1" dirty="0"/>
+              <a:t>nook branch </a:t>
+            </a:r>
+            <a:r>
+              <a:rPr lang="en-US" dirty="0"/>
+              <a:t>on remote</a:t>
+            </a:r>
+          </a:p>
+          <a:p>
+            <a:pPr marL="0" indent="0">
+              <a:buNone/>
+            </a:pPr>
+            <a:r>
+              <a:rPr lang="en-US" dirty="0"/>
+              <a:t>8: delete </a:t>
+            </a:r>
+            <a:r>
+              <a:rPr lang="en-US" b="1" dirty="0"/>
+              <a:t>nook-edit</a:t>
+            </a:r>
+            <a:r>
+              <a:rPr lang="en-US" dirty="0"/>
+              <a:t> branch on remote</a:t>
+            </a:r>
+          </a:p>
+          <a:p>
+            <a:pPr marL="0" indent="0">
+              <a:buNone/>
+            </a:pPr>
+            <a:endParaRPr lang="en-US" dirty="0"/>
+          </a:p>
+        </p:txBody>
+      </p:sp>
+      <p:sp>
+        <p:nvSpPr>
+          <p:cNvPr id="4" name="Rectangle 2">
+            <a:extLst>
+              <a:ext uri="{FF2B5EF4-FFF2-40B4-BE49-F238E27FC236}">
+                <a16:creationId xmlns:a16="http://schemas.microsoft.com/office/drawing/2014/main" id="{1CB48892-2B70-4776-85B9-EC26376B6B98}"/>
+              </a:ext>
+            </a:extLst>
+          </p:cNvPr>
+          <p:cNvSpPr>
+            <a:spLocks noChangeArrowheads="1"/>
+          </p:cNvSpPr>
+          <p:nvPr/>
+        </p:nvSpPr>
+        <p:spPr bwMode="auto">
+          <a:xfrm>
+            <a:off x="67111" y="6325299"/>
+            <a:ext cx="12192000" cy="457200"/>
+          </a:xfrm>
+          <a:prstGeom prst="rect">
+            <a:avLst/>
+          </a:prstGeom>
+          <a:noFill/>
+          <a:ln>
+            <a:noFill/>
+          </a:ln>
+          <a:effectLst/>
+          <a:extLst>
+            <a:ext uri="{909E8E84-426E-40DD-AFC4-6F175D3DCCD1}">
+              <a14:hiddenFill xmlns:a14="http://schemas.microsoft.com/office/drawing/2010/main">
+                <a:solidFill>
+                  <a:schemeClr val="accent1"/>
+                </a:solidFill>
+              </a14:hiddenFill>
+            </a:ext>
+            <a:ext uri="{91240B29-F687-4F45-9708-019B960494DF}">
+              <a14:hiddenLine xmlns:a14="http://schemas.microsoft.com/office/drawing/2010/main" w="9525">
+                <a:solidFill>
+                  <a:schemeClr val="tx1"/>
+                </a:solidFill>
+                <a:miter lim="800000"/>
+                <a:headEnd/>
+                <a:tailEnd/>
+              </a14:hiddenLine>
+            </a:ext>
+            <a:ext uri="{AF507438-7753-43E0-B8FC-AC1667EBCBE1}">
+              <a14:hiddenEffects xmlns:a14="http://schemas.microsoft.com/office/drawing/2010/main">
+                <a:effectLst>
+                  <a:outerShdw dist="35921" dir="2700000" algn="ctr" rotWithShape="0">
+                    <a:schemeClr val="bg2"/>
+                  </a:outerShdw>
+                </a:effectLst>
+              </a14:hiddenEffects>
+            </a:ext>
+          </a:extLst>
+        </p:spPr>
+        <p:txBody>
+          <a:bodyPr vert="horz" wrap="none" lIns="91440" tIns="0" rIns="91440" bIns="0" numCol="1" anchor="ctr" anchorCtr="0" compatLnSpc="1">
+            <a:prstTxWarp prst="textNoShape">
+              <a:avLst/>
+            </a:prstTxWarp>
+            <a:spAutoFit/>
+          </a:bodyPr>
+          <a:lstStyle/>
+          <a:p>
+            <a:pPr marL="0" marR="0" lvl="0" indent="0" algn="l" defTabSz="914400" rtl="0" eaLnBrk="0" fontAlgn="base" latinLnBrk="0" hangingPunct="0">
+              <a:lnSpc>
+                <a:spcPct val="100000"/>
+              </a:lnSpc>
+              <a:spcBef>
+                <a:spcPct val="0"/>
+              </a:spcBef>
+              <a:spcAft>
+                <a:spcPct val="0"/>
+              </a:spcAft>
+              <a:buClrTx/>
+              <a:buSzTx/>
+              <a:buFontTx/>
+              <a:buNone/>
+              <a:tabLst/>
+            </a:pPr>
+            <a:r>
+              <a:rPr kumimoji="0" lang="en-US" altLang="en-US" sz="900" b="0" i="0" u="none" strike="noStrike" cap="none" normalizeH="0" baseline="0" dirty="0">
+                <a:ln>
+                  <a:noFill/>
+                </a:ln>
+                <a:solidFill>
+                  <a:srgbClr val="24292E"/>
+                </a:solidFill>
+                <a:effectLst/>
+                <a:latin typeface="SFMono-Regular"/>
+              </a:rPr>
+              <a:t>https://github.com/nuenook/basicGit.git</a:t>
+            </a:r>
+            <a:r>
+              <a:rPr kumimoji="0" lang="en-US" altLang="en-US" sz="800" b="0" i="0" u="none" strike="noStrike" cap="none" normalizeH="0" baseline="0" dirty="0">
+                <a:ln>
+                  <a:noFill/>
+                </a:ln>
+                <a:solidFill>
+                  <a:schemeClr val="tx1"/>
+                </a:solidFill>
+                <a:effectLst/>
+              </a:rPr>
+              <a:t> </a:t>
+            </a:r>
+            <a:endParaRPr kumimoji="0" lang="en-US" altLang="en-US" sz="1800" b="0" i="0" u="none" strike="noStrike" cap="none" normalizeH="0" baseline="0" dirty="0">
+              <a:ln>
+                <a:noFill/>
+              </a:ln>
+              <a:solidFill>
+                <a:schemeClr val="tx1"/>
+              </a:solidFill>
+              <a:effectLst/>
+              <a:latin typeface="Arial" panose="020B0604020202020204" pitchFamily="34" charset="0"/>
+            </a:endParaRPr>
+          </a:p>
+        </p:txBody>
+      </p:sp>
+    </p:spTree>
+    <p:extLst>
+      <p:ext uri="{BB962C8B-B14F-4D97-AF65-F5344CB8AC3E}">
+        <p14:creationId xmlns:p14="http://schemas.microsoft.com/office/powerpoint/2010/main" val="2862049844"/>
+      </p:ext>
+    </p:extLst>
+  </p:cSld>
+  <p:clrMapOvr>
+    <a:masterClrMapping/>
+  </p:clrMapOvr>
+</p:sld>
+</file>
+
+<file path=ppt/slides/slide11.xml><?xml version="1.0" encoding="utf-8"?>
+<p:sld xmlns:a="http://schemas.openxmlformats.org/drawingml/2006/main" xmlns:r="http://schemas.openxmlformats.org/officeDocument/2006/relationships" xmlns:p="http://schemas.openxmlformats.org/presentationml/2006/main">
+  <p:cSld>
+    <p:spTree>
+      <p:nvGrpSpPr>
+        <p:cNvPr id="1" name=""/>
+        <p:cNvGrpSpPr/>
+        <p:nvPr/>
+      </p:nvGrpSpPr>
+      <p:grpSpPr>
+        <a:xfrm>
+          <a:off x="0" y="0"/>
+          <a:ext cx="0" cy="0"/>
+          <a:chOff x="0" y="0"/>
+          <a:chExt cx="0" cy="0"/>
+        </a:xfrm>
+      </p:grpSpPr>
+      <p:sp>
+        <p:nvSpPr>
+          <p:cNvPr id="2" name="Title 1">
+            <a:extLst>
+              <a:ext uri="{FF2B5EF4-FFF2-40B4-BE49-F238E27FC236}">
+                <a16:creationId xmlns:a16="http://schemas.microsoft.com/office/drawing/2014/main" id="{E6AA2B25-6515-454C-B886-34E67665E6D6}"/>
+              </a:ext>
+            </a:extLst>
+          </p:cNvPr>
+          <p:cNvSpPr>
+            <a:spLocks noGrp="1"/>
+          </p:cNvSpPr>
+          <p:nvPr>
+            <p:ph type="title"/>
+          </p:nvPr>
+        </p:nvSpPr>
+        <p:spPr/>
+        <p:txBody>
+          <a:bodyPr/>
+          <a:lstStyle/>
+          <a:p>
+            <a:r>
+              <a:rPr lang="en-US" dirty="0"/>
+              <a:t>END</a:t>
+            </a:r>
+          </a:p>
+        </p:txBody>
+      </p:sp>
+      <p:sp>
+        <p:nvSpPr>
+          <p:cNvPr id="3" name="Content Placeholder 2">
+            <a:extLst>
+              <a:ext uri="{FF2B5EF4-FFF2-40B4-BE49-F238E27FC236}">
+                <a16:creationId xmlns:a16="http://schemas.microsoft.com/office/drawing/2014/main" id="{7B8827AC-EDED-48FA-ADB4-562E41EE72AE}"/>
+              </a:ext>
+            </a:extLst>
+          </p:cNvPr>
+          <p:cNvSpPr>
+            <a:spLocks noGrp="1"/>
+          </p:cNvSpPr>
+          <p:nvPr>
+            <p:ph idx="1"/>
+          </p:nvPr>
+        </p:nvSpPr>
+        <p:spPr/>
+        <p:txBody>
+          <a:bodyPr/>
+          <a:lstStyle/>
+          <a:p>
+            <a:pPr marL="0" indent="0">
+              <a:buNone/>
+            </a:pPr>
+            <a:r>
+              <a:rPr lang="en-US" dirty="0"/>
+              <a:t>https://blog.nextzy.me/%E0%B8%A1%E0%B8%B2%E0%B9%80%E0%B8%A3%E0%B8%B5%E0%B8%A2%E0%B8%99%E0%B8%A3%E0%B8%B9%E0%B9%89-git-%E0%B9%81%E0%B8%9A%E0%B8%9A%E0%B8%87%E0%B9%88%E0%B8%B2%E0%B8%A2%E0%B9%86%E0%B8%81%E0%B8%B1%E0%B8%99%E0%B9%80%E0%B8%96%E0%B8%AD%E0%B8%B0-427398e62f82</a:t>
+            </a:r>
+          </a:p>
+        </p:txBody>
+      </p:sp>
+    </p:spTree>
+    <p:extLst>
+      <p:ext uri="{BB962C8B-B14F-4D97-AF65-F5344CB8AC3E}">
+        <p14:creationId xmlns:p14="http://schemas.microsoft.com/office/powerpoint/2010/main" val="890276704"/>
+      </p:ext>
+    </p:extLst>
+  </p:cSld>
+  <p:clrMapOvr>
+    <a:masterClrMapping/>
+  </p:clrMapOvr>
+</p:sld>
+</file>
+
 <file path=ppt/slides/slide2.xml><?xml version="1.0" encoding="utf-8"?>
 <p:sld xmlns:a="http://schemas.openxmlformats.org/drawingml/2006/main" xmlns:r="http://schemas.openxmlformats.org/officeDocument/2006/relationships" xmlns:p="http://schemas.openxmlformats.org/presentationml/2006/main">
   <p:cSld>
@@ -7463,7 +7929,7 @@
           <p:cNvPr id="2" name="Title 1">
             <a:extLst>
               <a:ext uri="{FF2B5EF4-FFF2-40B4-BE49-F238E27FC236}">
-                <a16:creationId xmlns:a16="http://schemas.microsoft.com/office/drawing/2014/main" id="{9C91D06C-2DC6-45C6-8627-500E00F9A64E}"/>
+                <a16:creationId xmlns:a16="http://schemas.microsoft.com/office/drawing/2014/main" id="{BC186CF5-A03B-40BE-A4A9-EDCE7A5940EC}"/>
               </a:ext>
             </a:extLst>
           </p:cNvPr>
@@ -7474,14 +7940,21 @@
             <p:ph type="title"/>
           </p:nvPr>
         </p:nvSpPr>
-        <p:spPr/>
-        <p:txBody>
-          <a:bodyPr/>
+        <p:spPr>
+          <a:xfrm>
+            <a:off x="485863" y="256068"/>
+            <a:ext cx="10515600" cy="675109"/>
+          </a:xfrm>
+        </p:spPr>
+        <p:txBody>
+          <a:bodyPr>
+            <a:normAutofit fontScale="90000"/>
+          </a:bodyPr>
           <a:lstStyle/>
           <a:p>
             <a:r>
               <a:rPr lang="en-US" dirty="0"/>
-              <a:t>Homework 1 </a:t>
+              <a:t>summary </a:t>
             </a:r>
           </a:p>
         </p:txBody>
@@ -7491,7 +7964,7 @@
           <p:cNvPr id="3" name="Content Placeholder 2">
             <a:extLst>
               <a:ext uri="{FF2B5EF4-FFF2-40B4-BE49-F238E27FC236}">
-                <a16:creationId xmlns:a16="http://schemas.microsoft.com/office/drawing/2014/main" id="{2334A464-E891-49C9-9AF8-BBDF12E13D47}"/>
+                <a16:creationId xmlns:a16="http://schemas.microsoft.com/office/drawing/2014/main" id="{5234C318-2A47-4B3F-9F60-531B358D21F3}"/>
               </a:ext>
             </a:extLst>
           </p:cNvPr>
@@ -7504,20 +7977,46 @@
         </p:nvSpPr>
         <p:spPr>
           <a:xfrm>
-            <a:off x="838200" y="1414564"/>
-            <a:ext cx="10515600" cy="2998045"/>
+            <a:off x="418750" y="1297119"/>
+            <a:ext cx="10515600" cy="5430852"/>
           </a:xfrm>
         </p:spPr>
         <p:txBody>
-          <a:bodyPr/>
+          <a:bodyPr>
+            <a:normAutofit/>
+          </a:bodyPr>
           <a:lstStyle/>
           <a:p>
             <a:pPr marL="0" indent="0">
               <a:buNone/>
             </a:pPr>
             <a:r>
-              <a:rPr lang="en-US" dirty="0"/>
-              <a:t>1: clone project from https://</a:t>
+              <a:rPr lang="en-US" sz="1800" dirty="0">
+                <a:solidFill>
+                  <a:srgbClr val="FF0000"/>
+                </a:solidFill>
+              </a:rPr>
+              <a:t>git </a:t>
+            </a:r>
+            <a:r>
+              <a:rPr lang="en-US" sz="1800" dirty="0" err="1">
+                <a:solidFill>
+                  <a:srgbClr val="FF0000"/>
+                </a:solidFill>
+              </a:rPr>
+              <a:t>init</a:t>
+            </a:r>
+            <a:r>
+              <a:rPr lang="en-US" sz="1800" dirty="0">
+                <a:solidFill>
+                  <a:srgbClr val="FF0000"/>
+                </a:solidFill>
+              </a:rPr>
+              <a:t> </a:t>
+            </a:r>
+            <a:r>
+              <a:rPr lang="en-US" sz="1800" dirty="0"/>
+              <a:t>: initial new git</a:t>
             </a:r>
           </a:p>
           <a:p>
@@ -7525,8 +8024,16 @@
               <a:buNone/>
             </a:pPr>
             <a:r>
-              <a:rPr lang="en-US" dirty="0"/>
-              <a:t>2: create branch with your name</a:t>
+              <a:rPr lang="en-US" sz="1800" dirty="0">
+                <a:solidFill>
+                  <a:srgbClr val="FF0000"/>
+                </a:solidFill>
+              </a:rPr>
+              <a:t>git clone </a:t>
+            </a:r>
+            <a:r>
+              <a:rPr lang="en-US" sz="1800" dirty="0"/>
+              <a:t>: get repository from remote</a:t>
             </a:r>
           </a:p>
           <a:p>
@@ -7534,8 +8041,40 @@
               <a:buNone/>
             </a:pPr>
             <a:r>
-              <a:rPr lang="en-US" dirty="0"/>
-              <a:t>3: write answers in question.md</a:t>
+              <a:rPr lang="en-US" sz="1800" dirty="0">
+                <a:solidFill>
+                  <a:srgbClr val="FF0000"/>
+                </a:solidFill>
+              </a:rPr>
+              <a:t>git add . || &lt;</a:t>
+            </a:r>
+            <a:r>
+              <a:rPr lang="en-US" sz="1800" dirty="0" err="1">
+                <a:solidFill>
+                  <a:srgbClr val="FF0000"/>
+                </a:solidFill>
+              </a:rPr>
+              <a:t>file_name</a:t>
+            </a:r>
+            <a:r>
+              <a:rPr lang="en-US" sz="1800" dirty="0">
+                <a:solidFill>
+                  <a:srgbClr val="FF0000"/>
+                </a:solidFill>
+              </a:rPr>
+              <a:t>&gt; </a:t>
+            </a:r>
+            <a:r>
+              <a:rPr lang="en-US" sz="1800" dirty="0"/>
+              <a:t>: </a:t>
+            </a:r>
+            <a:r>
+              <a:rPr lang="en-US" sz="1800" dirty="0" err="1"/>
+              <a:t>tage</a:t>
+            </a:r>
+            <a:r>
+              <a:rPr lang="en-US" sz="1800" dirty="0"/>
+              <a:t> file </a:t>
             </a:r>
           </a:p>
           <a:p>
@@ -7543,30 +8082,227 @@
               <a:buNone/>
             </a:pPr>
             <a:r>
-              <a:rPr lang="en-US" dirty="0"/>
-              <a:t>4: save and push code to </a:t>
-            </a:r>
-            <a:r>
-              <a:rPr lang="en-US" b="1" dirty="0"/>
-              <a:t>your branch </a:t>
-            </a:r>
-            <a:r>
-              <a:rPr lang="en-US" dirty="0"/>
-              <a:t>on remote.</a:t>
+              <a:rPr lang="en-US" sz="1800" dirty="0">
+                <a:solidFill>
+                  <a:srgbClr val="FF0000"/>
+                </a:solidFill>
+              </a:rPr>
+              <a:t>git commit –</a:t>
+            </a:r>
+            <a:r>
+              <a:rPr lang="en-US" sz="1800" dirty="0" err="1">
+                <a:solidFill>
+                  <a:srgbClr val="FF0000"/>
+                </a:solidFill>
+              </a:rPr>
+              <a:t>m”message</a:t>
+            </a:r>
+            <a:r>
+              <a:rPr lang="en-US" sz="1800" dirty="0">
+                <a:solidFill>
+                  <a:srgbClr val="FF0000"/>
+                </a:solidFill>
+              </a:rPr>
+              <a:t>” </a:t>
+            </a:r>
+            <a:r>
+              <a:rPr lang="en-US" sz="1800" dirty="0"/>
+              <a:t>: save point</a:t>
             </a:r>
           </a:p>
           <a:p>
             <a:pPr marL="0" indent="0">
               <a:buNone/>
             </a:pPr>
-            <a:endParaRPr lang="en-US" dirty="0"/>
+            <a:r>
+              <a:rPr lang="en-US" sz="1800" dirty="0">
+                <a:solidFill>
+                  <a:srgbClr val="FF0000"/>
+                </a:solidFill>
+              </a:rPr>
+              <a:t>git branch </a:t>
+            </a:r>
+            <a:r>
+              <a:rPr lang="en-US" sz="1800" dirty="0"/>
+              <a:t>: get all branch name </a:t>
+            </a:r>
+          </a:p>
+          <a:p>
+            <a:pPr marL="0" indent="0">
+              <a:buNone/>
+            </a:pPr>
+            <a:r>
+              <a:rPr lang="en-US" sz="1800" dirty="0">
+                <a:solidFill>
+                  <a:srgbClr val="FF0000"/>
+                </a:solidFill>
+              </a:rPr>
+              <a:t>git branch &lt;</a:t>
+            </a:r>
+            <a:r>
+              <a:rPr lang="en-US" sz="1800" dirty="0" err="1">
+                <a:solidFill>
+                  <a:srgbClr val="FF0000"/>
+                </a:solidFill>
+              </a:rPr>
+              <a:t>new_name</a:t>
+            </a:r>
+            <a:r>
+              <a:rPr lang="en-US" sz="1800" dirty="0">
+                <a:solidFill>
+                  <a:srgbClr val="FF0000"/>
+                </a:solidFill>
+              </a:rPr>
+              <a:t>&gt;</a:t>
+            </a:r>
+            <a:r>
+              <a:rPr lang="en-US" sz="1800" dirty="0"/>
+              <a:t> : create new branch </a:t>
+            </a:r>
+          </a:p>
+          <a:p>
+            <a:pPr marL="0" indent="0">
+              <a:buNone/>
+            </a:pPr>
+            <a:r>
+              <a:rPr lang="en-US" sz="1800" dirty="0">
+                <a:solidFill>
+                  <a:srgbClr val="FF0000"/>
+                </a:solidFill>
+              </a:rPr>
+              <a:t>git checkout &lt;</a:t>
+            </a:r>
+            <a:r>
+              <a:rPr lang="en-US" sz="1800" dirty="0" err="1">
+                <a:solidFill>
+                  <a:srgbClr val="FF0000"/>
+                </a:solidFill>
+              </a:rPr>
+              <a:t>branch_name</a:t>
+            </a:r>
+            <a:r>
+              <a:rPr lang="en-US" sz="1800" dirty="0">
+                <a:solidFill>
+                  <a:srgbClr val="FF0000"/>
+                </a:solidFill>
+              </a:rPr>
+              <a:t>&gt; </a:t>
+            </a:r>
+            <a:r>
+              <a:rPr lang="en-US" sz="1800" dirty="0"/>
+              <a:t>: switch to branch</a:t>
+            </a:r>
+          </a:p>
+          <a:p>
+            <a:pPr marL="0" indent="0">
+              <a:buNone/>
+            </a:pPr>
+            <a:r>
+              <a:rPr lang="en-US" sz="1800" dirty="0">
+                <a:solidFill>
+                  <a:srgbClr val="FF0000"/>
+                </a:solidFill>
+              </a:rPr>
+              <a:t>git pull </a:t>
+            </a:r>
+            <a:r>
+              <a:rPr lang="en-US" sz="1800" dirty="0"/>
+              <a:t>: get code from remote to local</a:t>
+            </a:r>
+          </a:p>
+          <a:p>
+            <a:pPr marL="0" indent="0">
+              <a:buNone/>
+            </a:pPr>
+            <a:r>
+              <a:rPr lang="en-US" sz="1800" dirty="0">
+                <a:solidFill>
+                  <a:srgbClr val="FF0000"/>
+                </a:solidFill>
+              </a:rPr>
+              <a:t>git push </a:t>
+            </a:r>
+            <a:r>
+              <a:rPr lang="en-US" sz="1800" dirty="0"/>
+              <a:t>: push code from local to remote</a:t>
+            </a:r>
+          </a:p>
+          <a:p>
+            <a:pPr marL="0" indent="0">
+              <a:buNone/>
+            </a:pPr>
+            <a:r>
+              <a:rPr lang="en-US" sz="1800" dirty="0">
+                <a:solidFill>
+                  <a:srgbClr val="FF0000"/>
+                </a:solidFill>
+              </a:rPr>
+              <a:t>git status </a:t>
+            </a:r>
+            <a:r>
+              <a:rPr lang="en-US" sz="1800" dirty="0"/>
+              <a:t>: check current status</a:t>
+            </a:r>
+          </a:p>
+          <a:p>
+            <a:pPr marL="0" indent="0">
+              <a:buNone/>
+            </a:pPr>
+            <a:r>
+              <a:rPr lang="en-US" sz="1800" dirty="0">
+                <a:solidFill>
+                  <a:srgbClr val="FF0000"/>
+                </a:solidFill>
+              </a:rPr>
+              <a:t>git merge &lt;</a:t>
+            </a:r>
+            <a:r>
+              <a:rPr lang="en-US" sz="1800" dirty="0" err="1">
+                <a:solidFill>
+                  <a:srgbClr val="FF0000"/>
+                </a:solidFill>
+              </a:rPr>
+              <a:t>branch_name</a:t>
+            </a:r>
+            <a:r>
+              <a:rPr lang="en-US" sz="1800" dirty="0">
+                <a:solidFill>
+                  <a:srgbClr val="FF0000"/>
+                </a:solidFill>
+              </a:rPr>
+              <a:t>&gt; </a:t>
+            </a:r>
+            <a:r>
+              <a:rPr lang="en-US" sz="1800" dirty="0"/>
+              <a:t>: merge current branch with &lt;</a:t>
+            </a:r>
+            <a:r>
+              <a:rPr lang="en-US" sz="1800" dirty="0" err="1"/>
+              <a:t>branch_name</a:t>
+            </a:r>
+            <a:r>
+              <a:rPr lang="en-US" sz="1800" dirty="0"/>
+              <a:t>&gt;</a:t>
+            </a:r>
+          </a:p>
+          <a:p>
+            <a:pPr marL="0" indent="0">
+              <a:buNone/>
+            </a:pPr>
+            <a:endParaRPr lang="en-US" sz="1800" dirty="0"/>
+          </a:p>
+          <a:p>
+            <a:pPr marL="0" indent="0">
+              <a:buNone/>
+            </a:pPr>
+            <a:endParaRPr lang="en-US" sz="1800" dirty="0"/>
           </a:p>
         </p:txBody>
       </p:sp>
     </p:spTree>
     <p:extLst>
       <p:ext uri="{BB962C8B-B14F-4D97-AF65-F5344CB8AC3E}">
-        <p14:creationId xmlns:p14="http://schemas.microsoft.com/office/powerpoint/2010/main" val="1001114044"/>
+        <p14:creationId xmlns:p14="http://schemas.microsoft.com/office/powerpoint/2010/main" val="1530991244"/>
       </p:ext>
     </p:extLst>
   </p:cSld>
@@ -7616,7 +8352,7 @@
           <a:p>
             <a:r>
               <a:rPr lang="en-US" dirty="0"/>
-              <a:t>Homework 2 </a:t>
+              <a:t>Homework 1 </a:t>
             </a:r>
           </a:p>
         </p:txBody>
@@ -7647,12 +8383,61 @@
           <a:bodyPr/>
           <a:lstStyle/>
           <a:p>
+            <a:pPr marL="0" lvl="0" indent="0" eaLnBrk="0" fontAlgn="base" hangingPunct="0">
+              <a:lnSpc>
+                <a:spcPct val="100000"/>
+              </a:lnSpc>
+              <a:spcBef>
+                <a:spcPct val="0"/>
+              </a:spcBef>
+              <a:spcAft>
+                <a:spcPct val="0"/>
+              </a:spcAft>
+              <a:buNone/>
+            </a:pPr>
+            <a:r>
+              <a:rPr lang="en-US" dirty="0"/>
+              <a:t>1: clone project from </a:t>
+            </a:r>
+            <a:r>
+              <a:rPr lang="en-US" altLang="en-US" dirty="0">
+                <a:solidFill>
+                  <a:srgbClr val="24292E"/>
+                </a:solidFill>
+                <a:latin typeface="SFMono-Regular"/>
+              </a:rPr>
+              <a:t>https://github.com/nuenook/basicGit.git</a:t>
+            </a:r>
+            <a:r>
+              <a:rPr kumimoji="0" lang="en-US" altLang="en-US" sz="2400" b="0" i="0" u="none" strike="noStrike" cap="none" normalizeH="0" baseline="0" dirty="0">
+                <a:ln>
+                  <a:noFill/>
+                </a:ln>
+                <a:solidFill>
+                  <a:schemeClr val="tx1"/>
+                </a:solidFill>
+                <a:effectLst/>
+              </a:rPr>
+              <a:t> </a:t>
+            </a:r>
+            <a:endParaRPr kumimoji="0" lang="en-US" altLang="en-US" sz="6000" b="0" i="0" u="none" strike="noStrike" cap="none" normalizeH="0" baseline="0" dirty="0">
+              <a:ln>
+                <a:noFill/>
+              </a:ln>
+              <a:solidFill>
+                <a:schemeClr val="tx1"/>
+              </a:solidFill>
+              <a:effectLst/>
+              <a:latin typeface="Arial" panose="020B0604020202020204" pitchFamily="34" charset="0"/>
+            </a:endParaRPr>
+          </a:p>
+          <a:p>
             <a:pPr marL="0" indent="0">
               <a:buNone/>
             </a:pPr>
             <a:r>
               <a:rPr lang="en-US" dirty="0"/>
-              <a:t>1: create new project then initial git command</a:t>
+              <a:t>2: create branch with your name</a:t>
             </a:r>
           </a:p>
           <a:p>
@@ -7661,7 +8446,7 @@
             </a:pPr>
             <a:r>
               <a:rPr lang="en-US" dirty="0"/>
-              <a:t>2: save change code</a:t>
+              <a:t>3: write answers in question.md</a:t>
             </a:r>
           </a:p>
           <a:p>
@@ -7670,32 +8455,15 @@
             </a:pPr>
             <a:r>
               <a:rPr lang="en-US" dirty="0"/>
-              <a:t>3: push to public </a:t>
-            </a:r>
-            <a:r>
-              <a:rPr lang="en-US" dirty="0" err="1"/>
-              <a:t>Github</a:t>
+              <a:t>4: save and push code to </a:t>
+            </a:r>
+            <a:r>
+              <a:rPr lang="en-US" b="1" dirty="0"/>
+              <a:t>your branch </a:t>
             </a:r>
             <a:r>
               <a:rPr lang="en-US" dirty="0"/>
-              <a:t> by your-account</a:t>
-            </a:r>
-          </a:p>
-          <a:p>
-            <a:pPr marL="0" indent="0">
-              <a:buNone/>
-            </a:pPr>
-            <a:r>
-              <a:rPr lang="en-US" dirty="0"/>
-              <a:t>4: can share this </a:t>
-            </a:r>
-            <a:r>
-              <a:rPr lang="en-US" dirty="0" err="1"/>
-              <a:t>Github</a:t>
-            </a:r>
-            <a:r>
-              <a:rPr lang="en-US" dirty="0"/>
-              <a:t> project link to everyone</a:t>
+              <a:t>on remote.</a:t>
             </a:r>
           </a:p>
           <a:p>
@@ -7703,13 +8471,132 @@
               <a:buNone/>
             </a:pPr>
             <a:endParaRPr lang="en-US" dirty="0"/>
+          </a:p>
+        </p:txBody>
+      </p:sp>
+      <p:sp>
+        <p:nvSpPr>
+          <p:cNvPr id="5" name="Rectangle 2">
+            <a:extLst>
+              <a:ext uri="{FF2B5EF4-FFF2-40B4-BE49-F238E27FC236}">
+                <a16:creationId xmlns:a16="http://schemas.microsoft.com/office/drawing/2014/main" id="{6237DEAE-64B2-4979-8C91-89429FD0AFBF}"/>
+              </a:ext>
+            </a:extLst>
+          </p:cNvPr>
+          <p:cNvSpPr>
+            <a:spLocks noChangeArrowheads="1"/>
+          </p:cNvSpPr>
+          <p:nvPr/>
+        </p:nvSpPr>
+        <p:spPr bwMode="auto">
+          <a:xfrm>
+            <a:off x="67111" y="6325299"/>
+            <a:ext cx="12192000" cy="457200"/>
+          </a:xfrm>
+          <a:prstGeom prst="rect">
+            <a:avLst/>
+          </a:prstGeom>
+          <a:noFill/>
+          <a:ln>
+            <a:noFill/>
+          </a:ln>
+          <a:effectLst/>
+          <a:extLst>
+            <a:ext uri="{909E8E84-426E-40DD-AFC4-6F175D3DCCD1}">
+              <a14:hiddenFill xmlns:a14="http://schemas.microsoft.com/office/drawing/2010/main">
+                <a:solidFill>
+                  <a:schemeClr val="accent1"/>
+                </a:solidFill>
+              </a14:hiddenFill>
+            </a:ext>
+            <a:ext uri="{91240B29-F687-4F45-9708-019B960494DF}">
+              <a14:hiddenLine xmlns:a14="http://schemas.microsoft.com/office/drawing/2010/main" w="9525">
+                <a:solidFill>
+                  <a:schemeClr val="tx1"/>
+                </a:solidFill>
+                <a:miter lim="800000"/>
+                <a:headEnd/>
+                <a:tailEnd/>
+              </a14:hiddenLine>
+            </a:ext>
+            <a:ext uri="{AF507438-7753-43E0-B8FC-AC1667EBCBE1}">
+              <a14:hiddenEffects xmlns:a14="http://schemas.microsoft.com/office/drawing/2010/main">
+                <a:effectLst>
+                  <a:outerShdw dist="35921" dir="2700000" algn="ctr" rotWithShape="0">
+                    <a:schemeClr val="bg2"/>
+                  </a:outerShdw>
+                </a:effectLst>
+              </a14:hiddenEffects>
+            </a:ext>
+          </a:extLst>
+        </p:spPr>
+        <p:txBody>
+          <a:bodyPr vert="horz" wrap="none" lIns="91440" tIns="0" rIns="91440" bIns="0" numCol="1" anchor="ctr" anchorCtr="0" compatLnSpc="1">
+            <a:prstTxWarp prst="textNoShape">
+              <a:avLst/>
+            </a:prstTxWarp>
+            <a:spAutoFit/>
+          </a:bodyPr>
+          <a:lstStyle/>
+          <a:p>
+            <a:pPr marL="0" marR="0" lvl="0" indent="0" algn="l" defTabSz="914400" rtl="0" eaLnBrk="0" fontAlgn="base" latinLnBrk="0" hangingPunct="0">
+              <a:lnSpc>
+                <a:spcPct val="100000"/>
+              </a:lnSpc>
+              <a:spcBef>
+                <a:spcPct val="0"/>
+              </a:spcBef>
+              <a:spcAft>
+                <a:spcPct val="0"/>
+              </a:spcAft>
+              <a:buClrTx/>
+              <a:buSzTx/>
+              <a:buFontTx/>
+              <a:buNone/>
+              <a:tabLst/>
+            </a:pPr>
+            <a:r>
+              <a:rPr kumimoji="0" lang="en-US" altLang="en-US" sz="900" b="0" i="0" u="none" strike="noStrike" cap="none" normalizeH="0" baseline="0" dirty="0">
+                <a:ln>
+                  <a:noFill/>
+                </a:ln>
+                <a:solidFill>
+                  <a:srgbClr val="24292E"/>
+                </a:solidFill>
+                <a:effectLst/>
+                <a:latin typeface="SFMono-Regular"/>
+              </a:rPr>
+              <a:t>https://github.com/nuenook/basicGit.git</a:t>
+            </a:r>
+            <a:r>
+              <a:rPr kumimoji="0" lang="en-US" altLang="en-US" sz="800" b="0" i="0" u="none" strike="noStrike" cap="none" normalizeH="0" baseline="0" dirty="0">
+                <a:ln>
+                  <a:noFill/>
+                </a:ln>
+                <a:solidFill>
+                  <a:schemeClr val="tx1"/>
+                </a:solidFill>
+                <a:effectLst/>
+              </a:rPr>
+              <a:t> </a:t>
+            </a:r>
+            <a:endParaRPr kumimoji="0" lang="en-US" altLang="en-US" sz="1800" b="0" i="0" u="none" strike="noStrike" cap="none" normalizeH="0" baseline="0" dirty="0">
+              <a:ln>
+                <a:noFill/>
+              </a:ln>
+              <a:solidFill>
+                <a:schemeClr val="tx1"/>
+              </a:solidFill>
+              <a:effectLst/>
+              <a:latin typeface="Arial" panose="020B0604020202020204" pitchFamily="34" charset="0"/>
+            </a:endParaRPr>
           </a:p>
         </p:txBody>
       </p:sp>
     </p:spTree>
     <p:extLst>
       <p:ext uri="{BB962C8B-B14F-4D97-AF65-F5344CB8AC3E}">
-        <p14:creationId xmlns:p14="http://schemas.microsoft.com/office/powerpoint/2010/main" val="2311617228"/>
+        <p14:creationId xmlns:p14="http://schemas.microsoft.com/office/powerpoint/2010/main" val="1001114044"/>
       </p:ext>
     </p:extLst>
   </p:cSld>
@@ -7759,7 +8646,7 @@
           <a:p>
             <a:r>
               <a:rPr lang="en-US" dirty="0"/>
-              <a:t>Homework 3</a:t>
+              <a:t>Homework 2 </a:t>
             </a:r>
           </a:p>
         </p:txBody>
@@ -7787,9 +8674,7 @@
           </a:xfrm>
         </p:spPr>
         <p:txBody>
-          <a:bodyPr>
-            <a:normAutofit fontScale="92500" lnSpcReduction="20000"/>
-          </a:bodyPr>
+          <a:bodyPr/>
           <a:lstStyle/>
           <a:p>
             <a:pPr marL="0" indent="0">
@@ -7797,7 +8682,7 @@
             </a:pPr>
             <a:r>
               <a:rPr lang="en-US" dirty="0"/>
-              <a:t>1: clone project from https://</a:t>
+              <a:t>1: create new project then initial git command</a:t>
             </a:r>
           </a:p>
           <a:p>
@@ -7806,15 +8691,24 @@
             </a:pPr>
             <a:r>
               <a:rPr lang="en-US" dirty="0"/>
-              <a:t>2: switch to </a:t>
-            </a:r>
-            <a:r>
-              <a:rPr lang="en-US" b="1" dirty="0"/>
-              <a:t>nook</a:t>
-            </a:r>
+              <a:t>2: save change code</a:t>
+            </a:r>
+          </a:p>
+          <a:p>
+            <a:pPr marL="0" indent="0">
+              <a:buNone/>
+            </a:pPr>
             <a:r>
               <a:rPr lang="en-US" dirty="0"/>
-              <a:t> branch</a:t>
+              <a:t>3: push to public </a:t>
+            </a:r>
+            <a:r>
+              <a:rPr lang="en-US" dirty="0" err="1"/>
+              <a:t>Github</a:t>
+            </a:r>
+            <a:r>
+              <a:rPr lang="en-US" dirty="0"/>
+              <a:t> by your-account</a:t>
             </a:r>
           </a:p>
           <a:p>
@@ -7823,95 +8717,15 @@
             </a:pPr>
             <a:r>
               <a:rPr lang="en-US" dirty="0"/>
-              <a:t>4: create new branch name: </a:t>
-            </a:r>
-            <a:r>
-              <a:rPr lang="en-US" b="1" dirty="0"/>
-              <a:t>nook-edit</a:t>
-            </a:r>
-          </a:p>
-          <a:p>
-            <a:pPr marL="0" indent="0">
-              <a:buNone/>
-            </a:pPr>
+              <a:t>4: can share this </a:t>
+            </a:r>
+            <a:r>
+              <a:rPr lang="en-US" dirty="0" err="1"/>
+              <a:t>Github</a:t>
+            </a:r>
             <a:r>
               <a:rPr lang="en-US" dirty="0"/>
-              <a:t>5: look at refect.js and then change declare variable from </a:t>
-            </a:r>
-            <a:r>
-              <a:rPr lang="en-US" b="1" dirty="0" err="1"/>
-              <a:t>var</a:t>
-            </a:r>
-            <a:r>
-              <a:rPr lang="en-US" dirty="0"/>
-              <a:t> to </a:t>
-            </a:r>
-            <a:r>
-              <a:rPr lang="en-US" b="1" dirty="0"/>
-              <a:t>let</a:t>
-            </a:r>
-            <a:r>
-              <a:rPr lang="en-US" dirty="0"/>
-              <a:t>  </a:t>
-            </a:r>
-          </a:p>
-          <a:p>
-            <a:pPr marL="0" indent="0">
-              <a:buNone/>
-            </a:pPr>
-            <a:r>
-              <a:rPr lang="en-US" dirty="0"/>
-              <a:t>6: merge </a:t>
-            </a:r>
-            <a:r>
-              <a:rPr lang="en-US" b="1" dirty="0"/>
-              <a:t>nook</a:t>
-            </a:r>
-            <a:r>
-              <a:rPr lang="en-US" dirty="0"/>
-              <a:t> branch with </a:t>
-            </a:r>
-            <a:r>
-              <a:rPr lang="en-US" b="1" dirty="0"/>
-              <a:t>nook-edit</a:t>
-            </a:r>
-            <a:r>
-              <a:rPr lang="en-US" dirty="0"/>
-              <a:t> branch</a:t>
-            </a:r>
-          </a:p>
-          <a:p>
-            <a:pPr marL="0" indent="0">
-              <a:buNone/>
-            </a:pPr>
-            <a:r>
-              <a:rPr lang="en-US" dirty="0"/>
-              <a:t>7: save and push code to </a:t>
-            </a:r>
-            <a:r>
-              <a:rPr lang="en-US" b="1" dirty="0"/>
-              <a:t>nook branch </a:t>
-            </a:r>
-            <a:r>
-              <a:rPr lang="en-US" dirty="0"/>
-              <a:t>on remote</a:t>
-            </a:r>
-          </a:p>
-          <a:p>
-            <a:pPr marL="0" indent="0">
-              <a:buNone/>
-            </a:pPr>
-            <a:r>
-              <a:rPr lang="en-US" dirty="0"/>
-              <a:t>8: delete </a:t>
-            </a:r>
-            <a:r>
-              <a:rPr lang="en-US" b="1" dirty="0"/>
-              <a:t>nook-edit</a:t>
-            </a:r>
-            <a:r>
-              <a:rPr lang="en-US" dirty="0"/>
-              <a:t> branch on remote</a:t>
+              <a:t> project link to everyone</a:t>
             </a:r>
           </a:p>
           <a:p>
@@ -7925,7 +8739,7 @@
     </p:spTree>
     <p:extLst>
       <p:ext uri="{BB962C8B-B14F-4D97-AF65-F5344CB8AC3E}">
-        <p14:creationId xmlns:p14="http://schemas.microsoft.com/office/powerpoint/2010/main" val="2862049844"/>
+        <p14:creationId xmlns:p14="http://schemas.microsoft.com/office/powerpoint/2010/main" val="2311617228"/>
       </p:ext>
     </p:extLst>
   </p:cSld>
